--- a/python_tutorial/lesson 0-Introduction/Introduction.pptx
+++ b/python_tutorial/lesson 0-Introduction/Introduction.pptx
@@ -222,7 +222,7 @@
           <a:p>
             <a:fld id="{6AF95C73-3944-F64C-A433-5764D67CD8C9}" type="datetime1">
               <a:rPr kumimoji="1" lang="zh-TW" altLang="en-US" smtClean="0"/>
-              <a:t>15/11/13</a:t>
+              <a:t>15/11/20</a:t>
             </a:fld>
             <a:endParaRPr kumimoji="1" lang="zh-TW" altLang="en-US"/>
           </a:p>
@@ -388,7 +388,7 @@
           <a:p>
             <a:fld id="{A19D7E59-6352-634A-B2DD-96C40E617C58}" type="datetime1">
               <a:rPr kumimoji="1" lang="zh-TW" altLang="en-US" smtClean="0"/>
-              <a:t>15/11/13</a:t>
+              <a:t>15/11/20</a:t>
             </a:fld>
             <a:endParaRPr kumimoji="1" lang="zh-TW" altLang="en-US"/>
           </a:p>
@@ -1006,7 +1006,7 @@
           <a:p>
             <a:fld id="{D883A982-6ED1-2643-B68B-FEEDB475AF7F}" type="datetime1">
               <a:rPr kumimoji="1" lang="zh-TW" altLang="en-US" smtClean="0"/>
-              <a:t>15/11/13</a:t>
+              <a:t>15/11/20</a:t>
             </a:fld>
             <a:endParaRPr kumimoji="1" lang="zh-TW" altLang="en-US"/>
           </a:p>
@@ -1176,7 +1176,7 @@
           <a:p>
             <a:fld id="{98C849E0-6D0C-AC4D-9C44-F243B4280032}" type="datetime1">
               <a:rPr kumimoji="1" lang="zh-TW" altLang="en-US" smtClean="0"/>
-              <a:t>15/11/13</a:t>
+              <a:t>15/11/20</a:t>
             </a:fld>
             <a:endParaRPr kumimoji="1" lang="zh-TW" altLang="en-US"/>
           </a:p>
@@ -1356,7 +1356,7 @@
           <a:p>
             <a:fld id="{1987752F-9F20-1547-BF02-EA540BB6022D}" type="datetime1">
               <a:rPr kumimoji="1" lang="zh-TW" altLang="en-US" smtClean="0"/>
-              <a:t>15/11/13</a:t>
+              <a:t>15/11/20</a:t>
             </a:fld>
             <a:endParaRPr kumimoji="1" lang="zh-TW" altLang="en-US"/>
           </a:p>
@@ -1526,7 +1526,7 @@
           <a:p>
             <a:fld id="{15D0D322-BB22-2E4E-B2C4-1214B51183D7}" type="datetime1">
               <a:rPr kumimoji="1" lang="zh-TW" altLang="en-US" smtClean="0"/>
-              <a:t>15/11/13</a:t>
+              <a:t>15/11/20</a:t>
             </a:fld>
             <a:endParaRPr kumimoji="1" lang="zh-TW" altLang="en-US"/>
           </a:p>
@@ -1772,7 +1772,7 @@
           <a:p>
             <a:fld id="{1692B4C2-0BC7-0646-B258-216A085EDB97}" type="datetime1">
               <a:rPr kumimoji="1" lang="zh-TW" altLang="en-US" smtClean="0"/>
-              <a:t>15/11/13</a:t>
+              <a:t>15/11/20</a:t>
             </a:fld>
             <a:endParaRPr kumimoji="1" lang="zh-TW" altLang="en-US"/>
           </a:p>
@@ -2060,7 +2060,7 @@
           <a:p>
             <a:fld id="{4F6E14F8-E746-AA4E-9AFC-28581A120916}" type="datetime1">
               <a:rPr kumimoji="1" lang="zh-TW" altLang="en-US" smtClean="0"/>
-              <a:t>15/11/13</a:t>
+              <a:t>15/11/20</a:t>
             </a:fld>
             <a:endParaRPr kumimoji="1" lang="zh-TW" altLang="en-US"/>
           </a:p>
@@ -2482,7 +2482,7 @@
           <a:p>
             <a:fld id="{BB2628B7-F55F-374A-A22B-C537EB97659E}" type="datetime1">
               <a:rPr kumimoji="1" lang="zh-TW" altLang="en-US" smtClean="0"/>
-              <a:t>15/11/13</a:t>
+              <a:t>15/11/20</a:t>
             </a:fld>
             <a:endParaRPr kumimoji="1" lang="zh-TW" altLang="en-US"/>
           </a:p>
@@ -2600,7 +2600,7 @@
           <a:p>
             <a:fld id="{CB3E5D22-4087-FA48-8775-C30125D322DB}" type="datetime1">
               <a:rPr kumimoji="1" lang="zh-TW" altLang="en-US" smtClean="0"/>
-              <a:t>15/11/13</a:t>
+              <a:t>15/11/20</a:t>
             </a:fld>
             <a:endParaRPr kumimoji="1" lang="zh-TW" altLang="en-US"/>
           </a:p>
@@ -2695,7 +2695,7 @@
           <a:p>
             <a:fld id="{24C50E38-F830-2F45-A921-8FFDE3DAFB5B}" type="datetime1">
               <a:rPr kumimoji="1" lang="zh-TW" altLang="en-US" smtClean="0"/>
-              <a:t>15/11/13</a:t>
+              <a:t>15/11/20</a:t>
             </a:fld>
             <a:endParaRPr kumimoji="1" lang="zh-TW" altLang="en-US"/>
           </a:p>
@@ -2972,7 +2972,7 @@
           <a:p>
             <a:fld id="{AEC128A3-1A33-C14B-B714-512F287BCD17}" type="datetime1">
               <a:rPr kumimoji="1" lang="zh-TW" altLang="en-US" smtClean="0"/>
-              <a:t>15/11/13</a:t>
+              <a:t>15/11/20</a:t>
             </a:fld>
             <a:endParaRPr kumimoji="1" lang="zh-TW" altLang="en-US"/>
           </a:p>
@@ -3225,7 +3225,7 @@
           <a:p>
             <a:fld id="{3782160E-7CF9-1346-9326-035C1A900795}" type="datetime1">
               <a:rPr kumimoji="1" lang="zh-TW" altLang="en-US" smtClean="0"/>
-              <a:t>15/11/13</a:t>
+              <a:t>15/11/20</a:t>
             </a:fld>
             <a:endParaRPr kumimoji="1" lang="zh-TW" altLang="en-US"/>
           </a:p>
@@ -3438,7 +3438,7 @@
           <a:p>
             <a:fld id="{1C608E4A-6867-244E-9DB5-AAF5FF05E35C}" type="datetime1">
               <a:rPr kumimoji="1" lang="zh-TW" altLang="en-US" smtClean="0"/>
-              <a:t>15/11/13</a:t>
+              <a:t>15/11/20</a:t>
             </a:fld>
             <a:endParaRPr kumimoji="1" lang="zh-TW" altLang="en-US"/>
           </a:p>
@@ -9404,7 +9404,11 @@
           <a:p>
             <a:r>
               <a:rPr kumimoji="1" lang="zh-TW" altLang="en-US" dirty="0" smtClean="0"/>
-              <a:t>開啟課程的</a:t>
+              <a:t>開啟</a:t>
+            </a:r>
+            <a:r>
+              <a:rPr kumimoji="1" lang="zh-TW" altLang="en-US" dirty="0" smtClean="0"/>
+              <a:t>課程的</a:t>
             </a:r>
             <a:r>
               <a:rPr kumimoji="1" lang="en-US" altLang="zh-TW" dirty="0" err="1" smtClean="0"/>
@@ -9652,86 +9656,90 @@
         </p:nvSpPr>
         <p:spPr/>
         <p:txBody>
-          <a:bodyPr/>
-          <a:lstStyle/>
-          <a:p>
+          <a:bodyPr>
+            <a:normAutofit/>
+          </a:bodyPr>
+          <a:lstStyle/>
+          <a:p>
+            <a:pPr marL="342900" lvl="1" indent="-342900">
+              <a:buFont typeface="Arial"/>
+              <a:buChar char="•"/>
+            </a:pPr>
             <a:r>
               <a:rPr kumimoji="1" lang="zh-TW" altLang="en-US" dirty="0"/>
-              <a:t>要線上看</a:t>
+              <a:t>線上觀看</a:t>
+            </a:r>
+            <a:endParaRPr kumimoji="1" lang="en-US" altLang="zh-TW" dirty="0"/>
+          </a:p>
+          <a:p>
+            <a:pPr marL="742950" lvl="2" indent="-342900"/>
+            <a:r>
+              <a:rPr kumimoji="1" lang="zh-TW" altLang="en-US" dirty="0"/>
+              <a:t>點選主頁上的</a:t>
+            </a:r>
+            <a:r>
+              <a:rPr kumimoji="1" lang="en-US" altLang="zh-TW" dirty="0" err="1"/>
+              <a:t>Turorial</a:t>
+            </a:r>
+            <a:r>
+              <a:rPr kumimoji="1" lang="zh-TW" altLang="en-US" dirty="0"/>
+              <a:t> </a:t>
             </a:r>
             <a:r>
               <a:rPr kumimoji="1" lang="en-US" altLang="zh-TW" dirty="0"/>
-              <a:t>slides</a:t>
+              <a:t>Content</a:t>
             </a:r>
             <a:r>
               <a:rPr kumimoji="1" lang="zh-TW" altLang="en-US" dirty="0"/>
-              <a:t>可以輸入</a:t>
-            </a:r>
-            <a:endParaRPr kumimoji="1" lang="en-US" altLang="zh-TW" dirty="0"/>
-          </a:p>
-          <a:p>
-            <a:pPr lvl="1"/>
-            <a:r>
-              <a:rPr kumimoji="1" lang="en-US" altLang="zh-TW" dirty="0">
-                <a:hlinkClick r:id="rId2"/>
-              </a:rPr>
-              <a:t>http://nbviewer.ipython.org/github/Jchou24/test_nb/tree/master/</a:t>
-            </a:r>
-            <a:endParaRPr kumimoji="1" lang="en-US" altLang="zh-TW" dirty="0"/>
-          </a:p>
-          <a:p>
-            <a:pPr lvl="1"/>
-            <a:r>
-              <a:rPr kumimoji="1" lang="zh-TW" altLang="en-US" dirty="0"/>
-              <a:t>點選想看的</a:t>
-            </a:r>
-            <a:r>
-              <a:rPr kumimoji="1" lang="en-US" altLang="zh-TW" dirty="0"/>
-              <a:t>lesson</a:t>
-            </a:r>
-            <a:r>
-              <a:rPr kumimoji="1" lang="zh-TW" altLang="en-US" dirty="0"/>
-              <a:t>，再選取想看的</a:t>
+              <a:t>即可線上觀</a:t>
+            </a:r>
+            <a:r>
+              <a:rPr kumimoji="1" lang="zh-TW" altLang="en-US" dirty="0" smtClean="0"/>
+              <a:t>看</a:t>
+            </a:r>
+            <a:endParaRPr kumimoji="1" lang="en-US" altLang="zh-TW" dirty="0" smtClean="0"/>
+          </a:p>
+          <a:p>
+            <a:pPr marL="742950" lvl="2" indent="-342900"/>
+            <a:endParaRPr kumimoji="1" lang="zh-TW" altLang="en-US" dirty="0"/>
+          </a:p>
+          <a:p>
+            <a:pPr marL="342900" lvl="1" indent="-342900">
+              <a:buFont typeface="Arial"/>
+              <a:buChar char="•"/>
+            </a:pPr>
+            <a:r>
+              <a:rPr kumimoji="1" lang="zh-TW" altLang="en-US" dirty="0" smtClean="0"/>
+              <a:t>本機端觀看</a:t>
+            </a:r>
+            <a:endParaRPr kumimoji="1" lang="en-US" altLang="zh-TW" dirty="0" smtClean="0"/>
+          </a:p>
+          <a:p>
+            <a:pPr marL="742950" lvl="2" indent="-342900"/>
+            <a:r>
+              <a:rPr kumimoji="1" lang="zh-TW" altLang="en-US" dirty="0" smtClean="0"/>
+              <a:t>將課程資訊下載完後點選</a:t>
             </a:r>
             <a:r>
               <a:rPr kumimoji="1" lang="en-US" altLang="zh-TW" dirty="0"/>
               <a:t>.</a:t>
             </a:r>
             <a:r>
-              <a:rPr kumimoji="1" lang="en-US" altLang="zh-TW" dirty="0" err="1"/>
-              <a:t>ipynb</a:t>
-            </a:r>
-            <a:r>
-              <a:rPr kumimoji="1" lang="zh-TW" altLang="en-US" dirty="0"/>
-              <a:t>檔</a:t>
-            </a:r>
-            <a:endParaRPr kumimoji="1" lang="en-US" altLang="zh-TW" dirty="0"/>
-          </a:p>
-          <a:p>
-            <a:pPr lvl="1"/>
-            <a:r>
-              <a:rPr kumimoji="1" lang="zh-TW" altLang="en-US" dirty="0"/>
-              <a:t>進入</a:t>
-            </a:r>
-            <a:r>
-              <a:rPr kumimoji="1" lang="en-US" altLang="zh-TW" dirty="0" err="1"/>
-              <a:t>jupyter</a:t>
-            </a:r>
-            <a:r>
-              <a:rPr kumimoji="1" lang="zh-TW" altLang="en-US" dirty="0"/>
-              <a:t>的畫面後，點選右上角的禮盒，就會出現</a:t>
-            </a:r>
-            <a:r>
-              <a:rPr kumimoji="1" lang="en-US" altLang="zh-TW" dirty="0"/>
-              <a:t>slides</a:t>
-            </a:r>
-            <a:r>
-              <a:rPr kumimoji="1" lang="zh-TW" altLang="en-US" dirty="0"/>
-              <a:t>了！</a:t>
-            </a:r>
-          </a:p>
-          <a:p>
-            <a:endParaRPr kumimoji="1" lang="zh-TW" altLang="en-US" dirty="0"/>
+              <a:rPr kumimoji="1" lang="en-US" altLang="zh-TW" dirty="0" err="1" smtClean="0"/>
+              <a:t>slides.html</a:t>
+            </a:r>
+            <a:r>
+              <a:rPr kumimoji="1" lang="zh-TW" altLang="en-US" dirty="0" smtClean="0"/>
+              <a:t>檔或</a:t>
+            </a:r>
+            <a:r>
+              <a:rPr kumimoji="1" lang="en-US" altLang="zh-TW" dirty="0" err="1" smtClean="0"/>
+              <a:t>pttx</a:t>
+            </a:r>
+            <a:r>
+              <a:rPr kumimoji="1" lang="zh-TW" altLang="en-US" dirty="0" smtClean="0"/>
+              <a:t>檔即可觀看</a:t>
+            </a:r>
           </a:p>
         </p:txBody>
       </p:sp>
@@ -9758,95 +9766,6 @@
           </a:p>
         </p:txBody>
       </p:sp>
-      <p:grpSp>
-        <p:nvGrpSpPr>
-          <p:cNvPr id="5" name="群組 4"/>
-          <p:cNvGrpSpPr/>
-          <p:nvPr/>
-        </p:nvGrpSpPr>
-        <p:grpSpPr>
-          <a:xfrm>
-            <a:off x="1907490" y="4948746"/>
-            <a:ext cx="5372100" cy="750156"/>
-            <a:chOff x="1907490" y="5698902"/>
-            <a:chExt cx="5372100" cy="750156"/>
-          </a:xfrm>
-        </p:grpSpPr>
-        <p:pic>
-          <p:nvPicPr>
-            <p:cNvPr id="6" name="圖片 5" descr="螢幕快照 2015-11-05 下午9.46.05.png"/>
-            <p:cNvPicPr>
-              <a:picLocks noChangeAspect="1"/>
-            </p:cNvPicPr>
-            <p:nvPr/>
-          </p:nvPicPr>
-          <p:blipFill>
-            <a:blip r:embed="rId3">
-              <a:extLst>
-                <a:ext uri="{28A0092B-C50C-407E-A947-70E740481C1C}">
-                  <a14:useLocalDpi xmlns:a14="http://schemas.microsoft.com/office/drawing/2010/main" val="0"/>
-                </a:ext>
-              </a:extLst>
-            </a:blip>
-            <a:stretch>
-              <a:fillRect/>
-            </a:stretch>
-          </p:blipFill>
-          <p:spPr>
-            <a:xfrm>
-              <a:off x="1907490" y="5725157"/>
-              <a:ext cx="5372100" cy="723900"/>
-            </a:xfrm>
-            <a:prstGeom prst="rect">
-              <a:avLst/>
-            </a:prstGeom>
-          </p:spPr>
-        </p:pic>
-        <p:sp>
-          <p:nvSpPr>
-            <p:cNvPr id="7" name="圓角矩形 6"/>
-            <p:cNvSpPr/>
-            <p:nvPr/>
-          </p:nvSpPr>
-          <p:spPr>
-            <a:xfrm>
-              <a:off x="3980667" y="5698902"/>
-              <a:ext cx="710031" cy="750156"/>
-            </a:xfrm>
-            <a:prstGeom prst="roundRect">
-              <a:avLst/>
-            </a:prstGeom>
-            <a:noFill/>
-            <a:ln w="28575" cmpd="sng">
-              <a:solidFill>
-                <a:srgbClr val="FF0000"/>
-              </a:solidFill>
-            </a:ln>
-          </p:spPr>
-          <p:style>
-            <a:lnRef idx="1">
-              <a:schemeClr val="accent1"/>
-            </a:lnRef>
-            <a:fillRef idx="3">
-              <a:schemeClr val="accent1"/>
-            </a:fillRef>
-            <a:effectRef idx="2">
-              <a:schemeClr val="accent1"/>
-            </a:effectRef>
-            <a:fontRef idx="minor">
-              <a:schemeClr val="lt1"/>
-            </a:fontRef>
-          </p:style>
-          <p:txBody>
-            <a:bodyPr rtlCol="0" anchor="ctr"/>
-            <a:lstStyle/>
-            <a:p>
-              <a:pPr algn="ctr"/>
-              <a:endParaRPr kumimoji="1" lang="zh-TW" altLang="en-US"/>
-            </a:p>
-          </p:txBody>
-        </p:sp>
-      </p:grpSp>
     </p:spTree>
     <p:extLst>
       <p:ext uri="{BB962C8B-B14F-4D97-AF65-F5344CB8AC3E}">
@@ -10076,11 +9995,7 @@
           <a:p>
             <a:r>
               <a:rPr kumimoji="1" lang="en-US" altLang="zh-TW" dirty="0" smtClean="0"/>
-              <a:t>L</a:t>
-            </a:r>
-            <a:r>
-              <a:rPr kumimoji="1" lang="en-US" altLang="zh-TW" dirty="0" smtClean="0"/>
-              <a:t>earning</a:t>
+              <a:t>Learning</a:t>
             </a:r>
             <a:endParaRPr kumimoji="1" lang="zh-TW" altLang="en-US" dirty="0"/>
           </a:p>
